--- a/courses/C2_ Build Your Model/Pythonic Package Development.pptx
+++ b/courses/C2_ Build Your Model/Pythonic Package Development.pptx
@@ -273,7 +273,7 @@
           <a:p>
             <a:fld id="{C625AEE1-0A05-4A84-B5E3-F26DDBDD6647}" type="datetimeFigureOut">
               <a:rPr lang="en-US" smtClean="0"/>
-              <a:t>5/7/2021</a:t>
+              <a:t>5/11/2021</a:t>
             </a:fld>
             <a:endParaRPr lang="en-US"/>
           </a:p>
@@ -471,7 +471,7 @@
           <a:p>
             <a:fld id="{C625AEE1-0A05-4A84-B5E3-F26DDBDD6647}" type="datetimeFigureOut">
               <a:rPr lang="en-US" smtClean="0"/>
-              <a:t>5/7/2021</a:t>
+              <a:t>5/11/2021</a:t>
             </a:fld>
             <a:endParaRPr lang="en-US"/>
           </a:p>
@@ -679,7 +679,7 @@
           <a:p>
             <a:fld id="{C625AEE1-0A05-4A84-B5E3-F26DDBDD6647}" type="datetimeFigureOut">
               <a:rPr lang="en-US" smtClean="0"/>
-              <a:t>5/7/2021</a:t>
+              <a:t>5/11/2021</a:t>
             </a:fld>
             <a:endParaRPr lang="en-US"/>
           </a:p>
@@ -877,7 +877,7 @@
           <a:p>
             <a:fld id="{C625AEE1-0A05-4A84-B5E3-F26DDBDD6647}" type="datetimeFigureOut">
               <a:rPr lang="en-US" smtClean="0"/>
-              <a:t>5/7/2021</a:t>
+              <a:t>5/11/2021</a:t>
             </a:fld>
             <a:endParaRPr lang="en-US"/>
           </a:p>
@@ -1152,7 +1152,7 @@
           <a:p>
             <a:fld id="{C625AEE1-0A05-4A84-B5E3-F26DDBDD6647}" type="datetimeFigureOut">
               <a:rPr lang="en-US" smtClean="0"/>
-              <a:t>5/7/2021</a:t>
+              <a:t>5/11/2021</a:t>
             </a:fld>
             <a:endParaRPr lang="en-US"/>
           </a:p>
@@ -1417,7 +1417,7 @@
           <a:p>
             <a:fld id="{C625AEE1-0A05-4A84-B5E3-F26DDBDD6647}" type="datetimeFigureOut">
               <a:rPr lang="en-US" smtClean="0"/>
-              <a:t>5/7/2021</a:t>
+              <a:t>5/11/2021</a:t>
             </a:fld>
             <a:endParaRPr lang="en-US"/>
           </a:p>
@@ -1829,7 +1829,7 @@
           <a:p>
             <a:fld id="{C625AEE1-0A05-4A84-B5E3-F26DDBDD6647}" type="datetimeFigureOut">
               <a:rPr lang="en-US" smtClean="0"/>
-              <a:t>5/7/2021</a:t>
+              <a:t>5/11/2021</a:t>
             </a:fld>
             <a:endParaRPr lang="en-US"/>
           </a:p>
@@ -1970,7 +1970,7 @@
           <a:p>
             <a:fld id="{C625AEE1-0A05-4A84-B5E3-F26DDBDD6647}" type="datetimeFigureOut">
               <a:rPr lang="en-US" smtClean="0"/>
-              <a:t>5/7/2021</a:t>
+              <a:t>5/11/2021</a:t>
             </a:fld>
             <a:endParaRPr lang="en-US"/>
           </a:p>
@@ -2083,7 +2083,7 @@
           <a:p>
             <a:fld id="{C625AEE1-0A05-4A84-B5E3-F26DDBDD6647}" type="datetimeFigureOut">
               <a:rPr lang="en-US" smtClean="0"/>
-              <a:t>5/7/2021</a:t>
+              <a:t>5/11/2021</a:t>
             </a:fld>
             <a:endParaRPr lang="en-US"/>
           </a:p>
@@ -2394,7 +2394,7 @@
           <a:p>
             <a:fld id="{C625AEE1-0A05-4A84-B5E3-F26DDBDD6647}" type="datetimeFigureOut">
               <a:rPr lang="en-US" smtClean="0"/>
-              <a:t>5/7/2021</a:t>
+              <a:t>5/11/2021</a:t>
             </a:fld>
             <a:endParaRPr lang="en-US"/>
           </a:p>
@@ -2682,7 +2682,7 @@
           <a:p>
             <a:fld id="{C625AEE1-0A05-4A84-B5E3-F26DDBDD6647}" type="datetimeFigureOut">
               <a:rPr lang="en-US" smtClean="0"/>
-              <a:t>5/7/2021</a:t>
+              <a:t>5/11/2021</a:t>
             </a:fld>
             <a:endParaRPr lang="en-US"/>
           </a:p>
@@ -2923,7 +2923,7 @@
           <a:p>
             <a:fld id="{C625AEE1-0A05-4A84-B5E3-F26DDBDD6647}" type="datetimeFigureOut">
               <a:rPr lang="en-US" smtClean="0"/>
-              <a:t>5/7/2021</a:t>
+              <a:t>5/11/2021</a:t>
             </a:fld>
             <a:endParaRPr lang="en-US"/>
           </a:p>
@@ -4869,7 +4869,7 @@
         </p:nvSpPr>
         <p:spPr>
           <a:xfrm>
-            <a:off x="6390410" y="2863333"/>
+            <a:off x="6390410" y="2697078"/>
             <a:ext cx="5801590" cy="1754326"/>
           </a:xfrm>
           <a:prstGeom prst="rect">
